--- a/src/week2/day2/regularization-pres.pptx
+++ b/src/week2/day2/regularization-pres.pptx
@@ -14,6 +14,8 @@
     <p:sldId id="262" r:id="rId8"/>
     <p:sldId id="264" r:id="rId9"/>
     <p:sldId id="263" r:id="rId10"/>
+    <p:sldId id="265" r:id="rId11"/>
+    <p:sldId id="266" r:id="rId12"/>
   </p:sldIdLst>
   <p:sldSz cx="9144000" cy="6858000" type="screen4x3"/>
   <p:notesSz cx="6858000" cy="9144000"/>
@@ -112,6 +114,11 @@
       </a:defRPr>
     </a:lvl9pPr>
   </p:defaultTextStyle>
+  <p:extLst>
+    <p:ext uri="{EFAFB233-063F-42B5-8137-9DF3F51BA10A}">
+      <p15:sldGuideLst xmlns:p15="http://schemas.microsoft.com/office/powerpoint/2012/main"/>
+    </p:ext>
+  </p:extLst>
 </p:presentation>
 </file>
 
@@ -246,7 +253,7 @@
           <a:p>
             <a:fld id="{A0051175-48D2-40DF-A56C-712B09FFEBD8}" type="datetimeFigureOut">
               <a:rPr lang="en-US" smtClean="0"/>
-              <a:t>5/9/2016</a:t>
+              <a:t>5/10/2016</a:t>
             </a:fld>
             <a:endParaRPr lang="en-US"/>
           </a:p>
@@ -416,7 +423,7 @@
           <a:p>
             <a:fld id="{A0051175-48D2-40DF-A56C-712B09FFEBD8}" type="datetimeFigureOut">
               <a:rPr lang="en-US" smtClean="0"/>
-              <a:t>5/9/2016</a:t>
+              <a:t>5/10/2016</a:t>
             </a:fld>
             <a:endParaRPr lang="en-US"/>
           </a:p>
@@ -596,7 +603,7 @@
           <a:p>
             <a:fld id="{A0051175-48D2-40DF-A56C-712B09FFEBD8}" type="datetimeFigureOut">
               <a:rPr lang="en-US" smtClean="0"/>
-              <a:t>5/9/2016</a:t>
+              <a:t>5/10/2016</a:t>
             </a:fld>
             <a:endParaRPr lang="en-US"/>
           </a:p>
@@ -766,7 +773,7 @@
           <a:p>
             <a:fld id="{A0051175-48D2-40DF-A56C-712B09FFEBD8}" type="datetimeFigureOut">
               <a:rPr lang="en-US" smtClean="0"/>
-              <a:t>5/9/2016</a:t>
+              <a:t>5/10/2016</a:t>
             </a:fld>
             <a:endParaRPr lang="en-US"/>
           </a:p>
@@ -1010,7 +1017,7 @@
           <a:p>
             <a:fld id="{A0051175-48D2-40DF-A56C-712B09FFEBD8}" type="datetimeFigureOut">
               <a:rPr lang="en-US" smtClean="0"/>
-              <a:t>5/9/2016</a:t>
+              <a:t>5/10/2016</a:t>
             </a:fld>
             <a:endParaRPr lang="en-US"/>
           </a:p>
@@ -1242,7 +1249,7 @@
           <a:p>
             <a:fld id="{A0051175-48D2-40DF-A56C-712B09FFEBD8}" type="datetimeFigureOut">
               <a:rPr lang="en-US" smtClean="0"/>
-              <a:t>5/9/2016</a:t>
+              <a:t>5/10/2016</a:t>
             </a:fld>
             <a:endParaRPr lang="en-US"/>
           </a:p>
@@ -1609,7 +1616,7 @@
           <a:p>
             <a:fld id="{A0051175-48D2-40DF-A56C-712B09FFEBD8}" type="datetimeFigureOut">
               <a:rPr lang="en-US" smtClean="0"/>
-              <a:t>5/9/2016</a:t>
+              <a:t>5/10/2016</a:t>
             </a:fld>
             <a:endParaRPr lang="en-US"/>
           </a:p>
@@ -1727,7 +1734,7 @@
           <a:p>
             <a:fld id="{A0051175-48D2-40DF-A56C-712B09FFEBD8}" type="datetimeFigureOut">
               <a:rPr lang="en-US" smtClean="0"/>
-              <a:t>5/9/2016</a:t>
+              <a:t>5/10/2016</a:t>
             </a:fld>
             <a:endParaRPr lang="en-US"/>
           </a:p>
@@ -1822,7 +1829,7 @@
           <a:p>
             <a:fld id="{A0051175-48D2-40DF-A56C-712B09FFEBD8}" type="datetimeFigureOut">
               <a:rPr lang="en-US" smtClean="0"/>
-              <a:t>5/9/2016</a:t>
+              <a:t>5/10/2016</a:t>
             </a:fld>
             <a:endParaRPr lang="en-US"/>
           </a:p>
@@ -2099,7 +2106,7 @@
           <a:p>
             <a:fld id="{A0051175-48D2-40DF-A56C-712B09FFEBD8}" type="datetimeFigureOut">
               <a:rPr lang="en-US" smtClean="0"/>
-              <a:t>5/9/2016</a:t>
+              <a:t>5/10/2016</a:t>
             </a:fld>
             <a:endParaRPr lang="en-US"/>
           </a:p>
@@ -2356,7 +2363,7 @@
           <a:p>
             <a:fld id="{A0051175-48D2-40DF-A56C-712B09FFEBD8}" type="datetimeFigureOut">
               <a:rPr lang="en-US" smtClean="0"/>
-              <a:t>5/9/2016</a:t>
+              <a:t>5/10/2016</a:t>
             </a:fld>
             <a:endParaRPr lang="en-US"/>
           </a:p>
@@ -2569,7 +2576,7 @@
           <a:p>
             <a:fld id="{A0051175-48D2-40DF-A56C-712B09FFEBD8}" type="datetimeFigureOut">
               <a:rPr lang="en-US" smtClean="0"/>
-              <a:t>5/9/2016</a:t>
+              <a:t>5/10/2016</a:t>
             </a:fld>
             <a:endParaRPr lang="en-US"/>
           </a:p>
@@ -3039,6 +3046,188 @@
 </p:sld>
 </file>
 
+<file path=ppt/slides/slide10.xml><?xml version="1.0" encoding="utf-8"?>
+<p:sld xmlns:a="http://schemas.openxmlformats.org/drawingml/2006/main" xmlns:r="http://schemas.openxmlformats.org/officeDocument/2006/relationships" xmlns:p="http://schemas.openxmlformats.org/presentationml/2006/main">
+  <p:cSld>
+    <p:spTree>
+      <p:nvGrpSpPr>
+        <p:cNvPr id="1" name=""/>
+        <p:cNvGrpSpPr/>
+        <p:nvPr/>
+      </p:nvGrpSpPr>
+      <p:grpSpPr>
+        <a:xfrm>
+          <a:off x="0" y="0"/>
+          <a:ext cx="0" cy="0"/>
+          <a:chOff x="0" y="0"/>
+          <a:chExt cx="0" cy="0"/>
+        </a:xfrm>
+      </p:grpSpPr>
+      <p:sp>
+        <p:nvSpPr>
+          <p:cNvPr id="4" name="Title 3"/>
+          <p:cNvSpPr>
+            <a:spLocks noGrp="1"/>
+          </p:cNvSpPr>
+          <p:nvPr>
+            <p:ph type="title"/>
+          </p:nvPr>
+        </p:nvSpPr>
+        <p:spPr/>
+        <p:txBody>
+          <a:bodyPr/>
+          <a:lstStyle/>
+          <a:p>
+            <a:r>
+              <a:rPr lang="en-US" i="1" dirty="0" smtClean="0"/>
+              <a:t>L</a:t>
+            </a:r>
+            <a:r>
+              <a:rPr lang="en-US" baseline="30000" dirty="0" smtClean="0"/>
+              <a:t>1</a:t>
+            </a:r>
+            <a:r>
+              <a:rPr lang="en-US" dirty="0" smtClean="0"/>
+              <a:t> regularization</a:t>
+            </a:r>
+            <a:endParaRPr lang="en-US" dirty="0"/>
+          </a:p>
+        </p:txBody>
+      </p:sp>
+      <p:pic>
+        <p:nvPicPr>
+          <p:cNvPr id="5" name="Picture 4"/>
+          <p:cNvPicPr>
+            <a:picLocks noChangeAspect="1"/>
+          </p:cNvPicPr>
+          <p:nvPr/>
+        </p:nvPicPr>
+        <p:blipFill>
+          <a:blip r:embed="rId2">
+            <a:extLst>
+              <a:ext uri="{28A0092B-C50C-407E-A947-70E740481C1C}">
+                <a14:useLocalDpi xmlns:a14="http://schemas.microsoft.com/office/drawing/2010/main" val="0"/>
+              </a:ext>
+            </a:extLst>
+          </a:blip>
+          <a:stretch>
+            <a:fillRect/>
+          </a:stretch>
+        </p:blipFill>
+        <p:spPr>
+          <a:xfrm>
+            <a:off x="1598341" y="1407694"/>
+            <a:ext cx="5947318" cy="5092867"/>
+          </a:xfrm>
+          <a:prstGeom prst="rect">
+            <a:avLst/>
+          </a:prstGeom>
+        </p:spPr>
+      </p:pic>
+    </p:spTree>
+    <p:extLst>
+      <p:ext uri="{BB962C8B-B14F-4D97-AF65-F5344CB8AC3E}">
+        <p14:creationId xmlns:p14="http://schemas.microsoft.com/office/powerpoint/2010/main" val="1587560180"/>
+      </p:ext>
+    </p:extLst>
+  </p:cSld>
+  <p:clrMapOvr>
+    <a:masterClrMapping/>
+  </p:clrMapOvr>
+</p:sld>
+</file>
+
+<file path=ppt/slides/slide11.xml><?xml version="1.0" encoding="utf-8"?>
+<p:sld xmlns:a="http://schemas.openxmlformats.org/drawingml/2006/main" xmlns:r="http://schemas.openxmlformats.org/officeDocument/2006/relationships" xmlns:p="http://schemas.openxmlformats.org/presentationml/2006/main">
+  <p:cSld>
+    <p:spTree>
+      <p:nvGrpSpPr>
+        <p:cNvPr id="1" name=""/>
+        <p:cNvGrpSpPr/>
+        <p:nvPr/>
+      </p:nvGrpSpPr>
+      <p:grpSpPr>
+        <a:xfrm>
+          <a:off x="0" y="0"/>
+          <a:ext cx="0" cy="0"/>
+          <a:chOff x="0" y="0"/>
+          <a:chExt cx="0" cy="0"/>
+        </a:xfrm>
+      </p:grpSpPr>
+      <p:sp>
+        <p:nvSpPr>
+          <p:cNvPr id="4" name="Title 3"/>
+          <p:cNvSpPr>
+            <a:spLocks noGrp="1"/>
+          </p:cNvSpPr>
+          <p:nvPr>
+            <p:ph type="title"/>
+          </p:nvPr>
+        </p:nvSpPr>
+        <p:spPr/>
+        <p:txBody>
+          <a:bodyPr/>
+          <a:lstStyle/>
+          <a:p>
+            <a:r>
+              <a:rPr lang="en-US" i="1" dirty="0" smtClean="0"/>
+              <a:t>L</a:t>
+            </a:r>
+            <a:r>
+              <a:rPr lang="en-US" baseline="30000" dirty="0" smtClean="0"/>
+              <a:t>1</a:t>
+            </a:r>
+            <a:r>
+              <a:rPr lang="en-US" dirty="0" smtClean="0"/>
+              <a:t> regularization</a:t>
+            </a:r>
+            <a:endParaRPr lang="en-US" dirty="0"/>
+          </a:p>
+        </p:txBody>
+      </p:sp>
+      <p:pic>
+        <p:nvPicPr>
+          <p:cNvPr id="2" name="Picture 1"/>
+          <p:cNvPicPr>
+            <a:picLocks noChangeAspect="1"/>
+          </p:cNvPicPr>
+          <p:nvPr/>
+        </p:nvPicPr>
+        <p:blipFill>
+          <a:blip r:embed="rId2">
+            <a:extLst>
+              <a:ext uri="{28A0092B-C50C-407E-A947-70E740481C1C}">
+                <a14:useLocalDpi xmlns:a14="http://schemas.microsoft.com/office/drawing/2010/main" val="0"/>
+              </a:ext>
+            </a:extLst>
+          </a:blip>
+          <a:stretch>
+            <a:fillRect/>
+          </a:stretch>
+        </p:blipFill>
+        <p:spPr>
+          <a:xfrm>
+            <a:off x="1598571" y="1432151"/>
+            <a:ext cx="5946858" cy="5092473"/>
+          </a:xfrm>
+          <a:prstGeom prst="rect">
+            <a:avLst/>
+          </a:prstGeom>
+        </p:spPr>
+      </p:pic>
+    </p:spTree>
+    <p:extLst>
+      <p:ext uri="{BB962C8B-B14F-4D97-AF65-F5344CB8AC3E}">
+        <p14:creationId xmlns:p14="http://schemas.microsoft.com/office/powerpoint/2010/main" val="3136721092"/>
+      </p:ext>
+    </p:extLst>
+  </p:cSld>
+  <p:clrMapOvr>
+    <a:masterClrMapping/>
+  </p:clrMapOvr>
+</p:sld>
+</file>
+
 <file path=ppt/slides/slide2.xml><?xml version="1.0" encoding="utf-8"?>
 <p:sld xmlns:a="http://schemas.openxmlformats.org/drawingml/2006/main" xmlns:r="http://schemas.openxmlformats.org/officeDocument/2006/relationships" xmlns:p="http://schemas.openxmlformats.org/presentationml/2006/main">
   <p:cSld>
